--- a/Progetto Bug Hunting.pptx
+++ b/Progetto Bug Hunting.pptx
@@ -266,7 +266,7 @@
           <a:p>
             <a:fld id="{A77624A3-0876-436A-B62A-83700866A501}" type="datetimeFigureOut">
               <a:rPr lang="en-US" smtClean="0"/>
-              <a:t>12/8/2023</a:t>
+              <a:t>12/11/2023</a:t>
             </a:fld>
             <a:endParaRPr lang="en-US"/>
           </a:p>
@@ -464,7 +464,7 @@
           <a:p>
             <a:fld id="{A77624A3-0876-436A-B62A-83700866A501}" type="datetimeFigureOut">
               <a:rPr lang="en-US" smtClean="0"/>
-              <a:t>12/8/2023</a:t>
+              <a:t>12/11/2023</a:t>
             </a:fld>
             <a:endParaRPr lang="en-US"/>
           </a:p>
@@ -672,7 +672,7 @@
           <a:p>
             <a:fld id="{A77624A3-0876-436A-B62A-83700866A501}" type="datetimeFigureOut">
               <a:rPr lang="en-US" smtClean="0"/>
-              <a:t>12/8/2023</a:t>
+              <a:t>12/11/2023</a:t>
             </a:fld>
             <a:endParaRPr lang="en-US"/>
           </a:p>
@@ -870,7 +870,7 @@
           <a:p>
             <a:fld id="{A77624A3-0876-436A-B62A-83700866A501}" type="datetimeFigureOut">
               <a:rPr lang="en-US" smtClean="0"/>
-              <a:t>12/8/2023</a:t>
+              <a:t>12/11/2023</a:t>
             </a:fld>
             <a:endParaRPr lang="en-US"/>
           </a:p>
@@ -1145,7 +1145,7 @@
           <a:p>
             <a:fld id="{A77624A3-0876-436A-B62A-83700866A501}" type="datetimeFigureOut">
               <a:rPr lang="en-US" smtClean="0"/>
-              <a:t>12/8/2023</a:t>
+              <a:t>12/11/2023</a:t>
             </a:fld>
             <a:endParaRPr lang="en-US"/>
           </a:p>
@@ -1410,7 +1410,7 @@
           <a:p>
             <a:fld id="{A77624A3-0876-436A-B62A-83700866A501}" type="datetimeFigureOut">
               <a:rPr lang="en-US" smtClean="0"/>
-              <a:t>12/8/2023</a:t>
+              <a:t>12/11/2023</a:t>
             </a:fld>
             <a:endParaRPr lang="en-US"/>
           </a:p>
@@ -1822,7 +1822,7 @@
           <a:p>
             <a:fld id="{A77624A3-0876-436A-B62A-83700866A501}" type="datetimeFigureOut">
               <a:rPr lang="en-US" smtClean="0"/>
-              <a:t>12/8/2023</a:t>
+              <a:t>12/11/2023</a:t>
             </a:fld>
             <a:endParaRPr lang="en-US"/>
           </a:p>
@@ -1963,7 +1963,7 @@
           <a:p>
             <a:fld id="{A77624A3-0876-436A-B62A-83700866A501}" type="datetimeFigureOut">
               <a:rPr lang="en-US" smtClean="0"/>
-              <a:t>12/8/2023</a:t>
+              <a:t>12/11/2023</a:t>
             </a:fld>
             <a:endParaRPr lang="en-US"/>
           </a:p>
@@ -2076,7 +2076,7 @@
           <a:p>
             <a:fld id="{A77624A3-0876-436A-B62A-83700866A501}" type="datetimeFigureOut">
               <a:rPr lang="en-US" smtClean="0"/>
-              <a:t>12/8/2023</a:t>
+              <a:t>12/11/2023</a:t>
             </a:fld>
             <a:endParaRPr lang="en-US"/>
           </a:p>
@@ -2387,7 +2387,7 @@
           <a:p>
             <a:fld id="{A77624A3-0876-436A-B62A-83700866A501}" type="datetimeFigureOut">
               <a:rPr lang="en-US" smtClean="0"/>
-              <a:t>12/8/2023</a:t>
+              <a:t>12/11/2023</a:t>
             </a:fld>
             <a:endParaRPr lang="en-US"/>
           </a:p>
@@ -2675,7 +2675,7 @@
           <a:p>
             <a:fld id="{A77624A3-0876-436A-B62A-83700866A501}" type="datetimeFigureOut">
               <a:rPr lang="en-US" smtClean="0"/>
-              <a:t>12/8/2023</a:t>
+              <a:t>12/11/2023</a:t>
             </a:fld>
             <a:endParaRPr lang="en-US"/>
           </a:p>
@@ -2916,7 +2916,7 @@
           <a:p>
             <a:fld id="{A77624A3-0876-436A-B62A-83700866A501}" type="datetimeFigureOut">
               <a:rPr lang="en-US" smtClean="0"/>
-              <a:t>12/8/2023</a:t>
+              <a:t>12/11/2023</a:t>
             </a:fld>
             <a:endParaRPr lang="en-US"/>
           </a:p>
@@ -5860,7 +5860,7 @@
             </a:r>
             <a:r>
               <a:rPr lang="en-US" dirty="0"/>
-              <a:t> %s con %10s </a:t>
+              <a:t> %s con %9s </a:t>
             </a:r>
             <a:r>
               <a:rPr lang="en-US" dirty="0" err="1"/>
@@ -6032,10 +6032,10 @@
       </p:grpSpPr>
       <p:pic>
         <p:nvPicPr>
-          <p:cNvPr id="7" name="Picture 6">
-            <a:extLst>
-              <a:ext uri="{FF2B5EF4-FFF2-40B4-BE49-F238E27FC236}">
-                <a16:creationId xmlns:a16="http://schemas.microsoft.com/office/drawing/2014/main" id="{D0343868-8B56-8995-99D0-FCE929B28E88}"/>
+          <p:cNvPr id="3" name="Picture 2">
+            <a:extLst>
+              <a:ext uri="{FF2B5EF4-FFF2-40B4-BE49-F238E27FC236}">
+                <a16:creationId xmlns:a16="http://schemas.microsoft.com/office/drawing/2014/main" id="{A01670EF-156A-699A-DFD1-9629D05676B1}"/>
               </a:ext>
             </a:extLst>
           </p:cNvPr>
@@ -6052,8 +6052,8 @@
         </p:blipFill>
         <p:spPr>
           <a:xfrm>
-            <a:off x="2038350" y="323850"/>
-            <a:ext cx="8115300" cy="6210300"/>
+            <a:off x="3405187" y="342900"/>
+            <a:ext cx="5381625" cy="6172200"/>
           </a:xfrm>
           <a:prstGeom prst="rect">
             <a:avLst/>
